--- a/ppt-model/default-model.pptx
+++ b/ppt-model/default-model.pptx
@@ -643,6 +643,17 @@
 <file path=ppt/slideLayouts/slideLayout1.xml><?xml version="1.0" encoding="utf-8"?>
 <p:sldLayout xmlns:a="http://schemas.openxmlformats.org/drawingml/2006/main" xmlns:r="http://schemas.openxmlformats.org/officeDocument/2006/relationships" xmlns:p="http://schemas.openxmlformats.org/presentationml/2006/main" type="blank" preserve="1">
   <p:cSld name="Blank">
+    <p:bg>
+      <p:bgPr>
+        <a:blipFill rotWithShape="1">
+          <a:blip r:embed="rId2"/>
+          <a:stretch>
+            <a:fillRect/>
+          </a:stretch>
+        </a:blipFill>
+        <a:effectLst/>
+      </p:bgPr>
+    </p:bg>
     <p:spTree>
       <p:nvGrpSpPr>
         <p:cNvPr id="1" name=""/>
@@ -657,70 +668,20 @@
           <a:chExt cx="0" cy="0"/>
         </a:xfrm>
       </p:grpSpPr>
-      <p:pic>
-        <p:nvPicPr>
-          <p:cNvPr id="6" name="图片 5" descr="E:\1.设计资源-标题要多长有多长\PPT类型设计模板风格合辑（PP000）\(0.DOCER\通用模板\待编辑\1s.png1s"/>
-          <p:cNvPicPr>
-            <a:picLocks noChangeAspect="1"/>
-          </p:cNvPicPr>
-          <p:nvPr userDrawn="1"/>
-        </p:nvPicPr>
-        <p:blipFill>
-          <a:blip r:embed="rId2"/>
-          <a:srcRect l="64187" t="33437"/>
-          <a:stretch>
-            <a:fillRect/>
-          </a:stretch>
-        </p:blipFill>
-        <p:spPr>
-          <a:xfrm rot="16200000">
-            <a:off x="469265" y="3389630"/>
-            <a:ext cx="2992877" cy="3960000"/>
-          </a:xfrm>
-          <a:prstGeom prst="rect">
-            <a:avLst/>
-          </a:prstGeom>
-        </p:spPr>
-      </p:pic>
-      <p:pic>
-        <p:nvPicPr>
-          <p:cNvPr id="2" name="图片 1" descr="E:\1.设计资源-标题要多长有多长\PPT类型设计模板风格合辑（PP000）\(0.DOCER\通用模板\待编辑\1.png1"/>
-          <p:cNvPicPr>
-            <a:picLocks noChangeAspect="1"/>
-          </p:cNvPicPr>
-          <p:nvPr userDrawn="1"/>
-        </p:nvPicPr>
-        <p:blipFill>
-          <a:blip r:embed="rId3"/>
-          <a:srcRect l="68719" t="30222"/>
-          <a:stretch>
-            <a:fillRect/>
-          </a:stretch>
-        </p:blipFill>
-        <p:spPr>
-          <a:xfrm rot="16200000" flipH="1" flipV="1">
-            <a:off x="9047685" y="-828610"/>
-            <a:ext cx="2292079" cy="3960000"/>
-          </a:xfrm>
-          <a:prstGeom prst="rect">
-            <a:avLst/>
-          </a:prstGeom>
-        </p:spPr>
-      </p:pic>
       <p:cxnSp>
         <p:nvCxnSpPr>
           <p:cNvPr id="9" name="直接连接符 3"/>
           <p:cNvCxnSpPr/>
           <p:nvPr userDrawn="1">
             <p:custDataLst>
-              <p:tags r:id="rId4"/>
+              <p:tags r:id="rId3"/>
             </p:custDataLst>
           </p:nvPr>
         </p:nvCxnSpPr>
         <p:spPr>
           <a:xfrm>
-            <a:off x="233045" y="697865"/>
-            <a:ext cx="11779250" cy="0"/>
+            <a:off x="233045" y="821690"/>
+            <a:ext cx="11709400" cy="8890"/>
           </a:xfrm>
           <a:prstGeom prst="line">
             <a:avLst/>
@@ -757,13 +718,13 @@
           <p:nvPr>
             <p:ph type="title"/>
             <p:custDataLst>
-              <p:tags r:id="rId5"/>
+              <p:tags r:id="rId4"/>
             </p:custDataLst>
           </p:nvPr>
         </p:nvSpPr>
         <p:spPr>
           <a:xfrm>
-            <a:off x="784225" y="-21590"/>
+            <a:off x="784225" y="152400"/>
             <a:ext cx="10302240" cy="905510"/>
           </a:xfrm>
         </p:spPr>
@@ -771,7 +732,7 @@
           <a:bodyPr anchor="ctr" anchorCtr="0"/>
           <a:lstStyle>
             <a:lvl1pPr>
-              <a:defRPr sz="3000" b="1">
+              <a:defRPr sz="3200" b="1">
                 <a:solidFill>
                   <a:schemeClr val="tx1">
                     <a:lumMod val="85000"/>
@@ -800,8 +761,8 @@
         </p:nvGrpSpPr>
         <p:grpSpPr>
           <a:xfrm>
-            <a:off x="356235" y="309245"/>
-            <a:ext cx="172720" cy="154305"/>
+            <a:off x="364490" y="425450"/>
+            <a:ext cx="273050" cy="273685"/>
             <a:chOff x="2692" y="3788"/>
             <a:chExt cx="2702" cy="2334"/>
           </a:xfrm>
@@ -812,7 +773,7 @@
             <p:cNvSpPr/>
             <p:nvPr>
               <p:custDataLst>
-                <p:tags r:id="rId6"/>
+                <p:tags r:id="rId5"/>
               </p:custDataLst>
             </p:nvPr>
           </p:nvSpPr>
@@ -859,7 +820,7 @@
             <a:noFill/>
             <a:ln w="38100">
               <a:solidFill>
-                <a:srgbClr val="C07D34"/>
+                <a:schemeClr val="tx2"/>
               </a:solidFill>
             </a:ln>
           </p:spPr>
@@ -922,7 +883,7 @@
             <p:cNvSpPr/>
             <p:nvPr>
               <p:custDataLst>
-                <p:tags r:id="rId7"/>
+                <p:tags r:id="rId6"/>
               </p:custDataLst>
             </p:nvPr>
           </p:nvSpPr>
@@ -1263,7 +1224,9 @@
               <a:srgbClr val="C07D34"/>
             </a:solidFill>
             <a:ln w="3175">
-              <a:noFill/>
+              <a:solidFill>
+                <a:schemeClr val="tx2"/>
+              </a:solidFill>
               <a:miter/>
             </a:ln>
           </p:spPr>
@@ -1300,6 +1263,17 @@
 <file path=ppt/slideLayouts/slideLayout2.xml><?xml version="1.0" encoding="utf-8"?>
 <p:sldLayout xmlns:a="http://schemas.openxmlformats.org/drawingml/2006/main" xmlns:r="http://schemas.openxmlformats.org/officeDocument/2006/relationships" xmlns:p="http://schemas.openxmlformats.org/presentationml/2006/main" preserve="1" userDrawn="1">
   <p:cSld name="5_Custom Layout">
+    <p:bg>
+      <p:bgPr>
+        <a:blipFill rotWithShape="1">
+          <a:blip r:embed="rId2"/>
+          <a:stretch>
+            <a:fillRect/>
+          </a:stretch>
+        </a:blipFill>
+        <a:effectLst/>
+      </p:bgPr>
+    </p:bg>
     <p:spTree>
       <p:nvGrpSpPr>
         <p:cNvPr id="1" name=""/>
@@ -1314,80 +1288,6 @@
           <a:chExt cx="0" cy="0"/>
         </a:xfrm>
       </p:grpSpPr>
-      <p:pic>
-        <p:nvPicPr>
-          <p:cNvPr id="6" name="图片 5" descr="1"/>
-          <p:cNvPicPr>
-            <a:picLocks noChangeAspect="1"/>
-          </p:cNvPicPr>
-          <p:nvPr userDrawn="1"/>
-        </p:nvPicPr>
-        <p:blipFill>
-          <a:blip r:embed="rId2"/>
-          <a:srcRect t="26934" r="20368" b="15233"/>
-          <a:stretch>
-            <a:fillRect/>
-          </a:stretch>
-        </p:blipFill>
-        <p:spPr>
-          <a:xfrm>
-            <a:off x="-11430" y="-6350"/>
-            <a:ext cx="12214860" cy="6870700"/>
-          </a:xfrm>
-          <a:prstGeom prst="rect">
-            <a:avLst/>
-          </a:prstGeom>
-        </p:spPr>
-      </p:pic>
-      <p:sp>
-        <p:nvSpPr>
-          <p:cNvPr id="15" name="对角圆角矩形 14"/>
-          <p:cNvSpPr/>
-          <p:nvPr userDrawn="1">
-            <p:custDataLst>
-              <p:tags r:id="rId3"/>
-            </p:custDataLst>
-          </p:nvPr>
-        </p:nvSpPr>
-        <p:spPr>
-          <a:xfrm>
-            <a:off x="4042410" y="4337050"/>
-            <a:ext cx="4106545" cy="76200"/>
-          </a:xfrm>
-          <a:prstGeom prst="round2DiagRect">
-            <a:avLst/>
-          </a:prstGeom>
-          <a:solidFill>
-            <a:srgbClr val="DFC9A5"/>
-          </a:solidFill>
-          <a:ln>
-            <a:noFill/>
-          </a:ln>
-        </p:spPr>
-        <p:style>
-          <a:lnRef idx="2">
-            <a:schemeClr val="accent1">
-              <a:shade val="50000"/>
-            </a:schemeClr>
-          </a:lnRef>
-          <a:fillRef idx="1">
-            <a:schemeClr val="accent1"/>
-          </a:fillRef>
-          <a:effectRef idx="0">
-            <a:schemeClr val="accent1"/>
-          </a:effectRef>
-          <a:fontRef idx="minor">
-            <a:schemeClr val="lt1"/>
-          </a:fontRef>
-        </p:style>
-        <p:txBody>
-          <a:bodyPr rtlCol="0" anchor="ctr"/>
-          <a:p>
-            <a:pPr algn="ctr"/>
-            <a:endParaRPr lang="zh-CN" altLang="en-US"/>
-          </a:p>
-        </p:txBody>
-      </p:sp>
       <p:sp>
         <p:nvSpPr>
           <p:cNvPr id="14" name="标题 13"/>
@@ -1397,14 +1297,14 @@
           <p:nvPr>
             <p:ph type="title" hasCustomPrompt="1"/>
             <p:custDataLst>
-              <p:tags r:id="rId4"/>
+              <p:tags r:id="rId3"/>
             </p:custDataLst>
           </p:nvPr>
         </p:nvSpPr>
         <p:spPr>
           <a:xfrm>
-            <a:off x="691515" y="1987550"/>
-            <a:ext cx="10869930" cy="1731010"/>
+            <a:off x="691515" y="2587625"/>
+            <a:ext cx="10869930" cy="974090"/>
           </a:xfrm>
           <a:prstGeom prst="rect">
             <a:avLst/>
@@ -1437,15 +1337,20 @@
           </a:lstStyle>
           <a:p>
             <a:r>
-              <a:rPr kumimoji="1" lang="zh-CN" altLang="en-US" dirty="0"/>
-              <a:t>单击此处编辑标题</a:t>
-            </a:r>
-            <a:br>
-              <a:rPr kumimoji="1" lang="en-US" altLang="zh-CN" dirty="0"/>
-            </a:br>
-            <a:r>
-              <a:rPr kumimoji="1" lang="zh-CN" altLang="en-US" dirty="0"/>
-              <a:t>单击此处编辑母版标题</a:t>
+              <a:rPr lang="zh-CN" altLang="en-US" kern="100" noProof="0">
+                <a:ln>
+                  <a:noFill/>
+                </a:ln>
+                <a:solidFill>
+                  <a:srgbClr val="42556C"/>
+                </a:solidFill>
+                <a:effectLst/>
+                <a:uLnTx/>
+                <a:uFillTx/>
+                <a:cs typeface="Times New Roman" panose="02020603050405020304" pitchFamily="18" charset="0"/>
+                <a:sym typeface="+mn-ea"/>
+              </a:rPr>
+              <a:t>默认通用模板</a:t>
             </a:r>
             <a:endParaRPr kumimoji="1" lang="zh-CN" altLang="en-US" dirty="0"/>
           </a:p>
@@ -1460,14 +1365,14 @@
           <p:nvPr>
             <p:ph type="body" idx="10" hasCustomPrompt="1"/>
             <p:custDataLst>
-              <p:tags r:id="rId5"/>
+              <p:tags r:id="rId4"/>
             </p:custDataLst>
           </p:nvPr>
         </p:nvSpPr>
         <p:spPr>
           <a:xfrm>
-            <a:off x="4331970" y="4963795"/>
-            <a:ext cx="3589655" cy="532130"/>
+            <a:off x="4331970" y="6095365"/>
+            <a:ext cx="3589655" cy="405130"/>
           </a:xfrm>
           <a:prstGeom prst="rect">
             <a:avLst/>
@@ -1492,13 +1397,19 @@
               <a:buSzTx/>
               <a:buFont typeface="Arial" panose="020B0604020202020204" pitchFamily="34" charset="0"/>
               <a:buNone/>
-              <a:defRPr kumimoji="0" lang="en-US" sz="2800" b="0" i="0" u="none" strike="noStrike" kern="1200" cap="none" spc="0" normalizeH="0" baseline="0" noProof="1">
+              <a:defRPr kumimoji="0" lang="zh-CN" altLang="en-US" sz="1600" b="0" i="0" u="none" strike="noStrike" kern="100" cap="none" spc="0" normalizeH="0" baseline="0" noProof="0">
+                <a:ln>
+                  <a:noFill/>
+                </a:ln>
                 <a:solidFill>
-                  <a:srgbClr val="C07D34"/>
+                  <a:schemeClr val="bg1"/>
                 </a:solidFill>
+                <a:effectLst/>
+                <a:uLnTx/>
+                <a:uFillTx/>
                 <a:latin typeface="微软雅黑" panose="020B0503020204020204" charset="-122"/>
                 <a:ea typeface="微软雅黑" panose="020B0503020204020204" charset="-122"/>
-                <a:cs typeface="Raleway" panose="020B0503030101060003" charset="0"/>
+                <a:cs typeface="Times New Roman" panose="02020603050405020304" pitchFamily="18" charset="0"/>
               </a:defRPr>
             </a:lvl1pPr>
             <a:lvl2pPr algn="ctr">
@@ -1515,7 +1426,13 @@
             </a:lvl5pPr>
           </a:lstStyle>
           <a:p>
-            <a:pPr lvl="0"/>
+            <a:pPr lvl="0" algn="ctr" defTabSz="457200">
+              <a:lnSpc>
+                <a:spcPct val="100000"/>
+              </a:lnSpc>
+              <a:buFontTx/>
+              <a:defRPr/>
+            </a:pPr>
             <a:r>
               <a:rPr kumimoji="1" lang="zh-CN" altLang="en-US" dirty="0"/>
               <a:t>司镜</a:t>
@@ -1539,6 +1456,17 @@
 <file path=ppt/slideLayouts/slideLayout3.xml><?xml version="1.0" encoding="utf-8"?>
 <p:sldLayout xmlns:a="http://schemas.openxmlformats.org/drawingml/2006/main" xmlns:r="http://schemas.openxmlformats.org/officeDocument/2006/relationships" xmlns:p="http://schemas.openxmlformats.org/presentationml/2006/main" preserve="1" userDrawn="1">
   <p:cSld name="自定义版式">
+    <p:bg>
+      <p:bgPr>
+        <a:blipFill rotWithShape="1">
+          <a:blip r:embed="rId2"/>
+          <a:stretch>
+            <a:fillRect/>
+          </a:stretch>
+        </a:blipFill>
+        <a:effectLst/>
+      </p:bgPr>
+    </p:bg>
     <p:spTree>
       <p:nvGrpSpPr>
         <p:cNvPr id="1" name=""/>
@@ -1553,56 +1481,6 @@
           <a:chExt cx="0" cy="0"/>
         </a:xfrm>
       </p:grpSpPr>
-      <p:pic>
-        <p:nvPicPr>
-          <p:cNvPr id="11" name="图片 10" descr="E:\1.设计资源-标题要多长有多长\PPT类型设计模板风格合辑（PP000）\(0.DOCER\通用模板\待编辑\1s.png1s"/>
-          <p:cNvPicPr>
-            <a:picLocks noChangeAspect="1"/>
-          </p:cNvPicPr>
-          <p:nvPr userDrawn="1"/>
-        </p:nvPicPr>
-        <p:blipFill>
-          <a:blip r:embed="rId2"/>
-          <a:srcRect l="64187" t="33437"/>
-          <a:stretch>
-            <a:fillRect/>
-          </a:stretch>
-        </p:blipFill>
-        <p:spPr>
-          <a:xfrm>
-            <a:off x="7620" y="-8890"/>
-            <a:ext cx="4897434" cy="6480000"/>
-          </a:xfrm>
-          <a:prstGeom prst="rect">
-            <a:avLst/>
-          </a:prstGeom>
-        </p:spPr>
-      </p:pic>
-      <p:pic>
-        <p:nvPicPr>
-          <p:cNvPr id="12" name="图片 11" descr="E:\1.设计资源-标题要多长有多长\PPT类型设计模板风格合辑（PP000）\(0.DOCER\通用模板\待编辑\1.png1"/>
-          <p:cNvPicPr>
-            <a:picLocks noChangeAspect="1"/>
-          </p:cNvPicPr>
-          <p:nvPr userDrawn="1"/>
-        </p:nvPicPr>
-        <p:blipFill>
-          <a:blip r:embed="rId3"/>
-          <a:srcRect l="68719" t="30222"/>
-          <a:stretch>
-            <a:fillRect/>
-          </a:stretch>
-        </p:blipFill>
-        <p:spPr>
-          <a:xfrm flipH="1" flipV="1">
-            <a:off x="8436657" y="371697"/>
-            <a:ext cx="3750675" cy="6480000"/>
-          </a:xfrm>
-          <a:prstGeom prst="rect">
-            <a:avLst/>
-          </a:prstGeom>
-        </p:spPr>
-      </p:pic>
       <p:grpSp>
         <p:nvGrpSpPr>
           <p:cNvPr id="27" name="组合 26"/>
@@ -1611,10 +1489,10 @@
         </p:nvGrpSpPr>
         <p:grpSpPr>
           <a:xfrm>
-            <a:off x="417830" y="1449070"/>
-            <a:ext cx="1601470" cy="2810510"/>
-            <a:chOff x="1110" y="2282"/>
-            <a:chExt cx="2522" cy="4426"/>
+            <a:off x="449580" y="1449070"/>
+            <a:ext cx="1569720" cy="2564130"/>
+            <a:chOff x="1160" y="2282"/>
+            <a:chExt cx="2472" cy="4038"/>
           </a:xfrm>
         </p:grpSpPr>
         <p:sp>
@@ -1623,14 +1501,14 @@
             <p:cNvSpPr txBox="1"/>
             <p:nvPr userDrawn="1">
               <p:custDataLst>
-                <p:tags r:id="rId4"/>
+                <p:tags r:id="rId3"/>
               </p:custDataLst>
             </p:nvPr>
           </p:nvSpPr>
           <p:spPr>
             <a:xfrm rot="5400000">
-              <a:off x="-459" y="4123"/>
-              <a:ext cx="4154" cy="1016"/>
+              <a:off x="-118" y="4123"/>
+              <a:ext cx="3475" cy="919"/>
             </a:xfrm>
             <a:prstGeom prst="rect">
               <a:avLst/>
@@ -1648,30 +1526,33 @@
                 <a:buFontTx/>
               </a:pPr>
               <a:r>
-                <a:rPr lang="en-US" altLang="zh-CN" sz="3600" dirty="0">
+                <a:rPr lang="en-US" altLang="zh-CN" sz="3200" b="1" i="1" noProof="0">
                   <a:ln>
                     <a:noFill/>
                   </a:ln>
                   <a:solidFill>
-                    <a:srgbClr val="C07D34"/>
+                    <a:srgbClr val="42556C"/>
                   </a:solidFill>
                   <a:effectLst/>
-                  <a:latin typeface="微软雅黑" panose="020B0503020204020204" charset="-122"/>
-                  <a:ea typeface="微软雅黑" panose="020B0503020204020204" charset="-122"/>
-                  <a:cs typeface="Raleway" panose="020B0503030101060003" charset="0"/>
+                  <a:uLnTx/>
+                  <a:uFillTx/>
+                  <a:latin typeface="Century Gothic" panose="020B0502020202020204"/>
+                  <a:ea typeface="方正兰亭黑_GBK"/>
                 </a:rPr>
                 <a:t>CONTENTS</a:t>
               </a:r>
-              <a:endParaRPr lang="en-US" altLang="zh-CN" sz="3600" dirty="0">
+              <a:endParaRPr lang="en-US" altLang="zh-CN" sz="3200" b="1" i="1" noProof="0" dirty="0">
                 <a:ln>
                   <a:noFill/>
                 </a:ln>
                 <a:solidFill>
-                  <a:srgbClr val="C07D34"/>
+                  <a:srgbClr val="42556C"/>
                 </a:solidFill>
                 <a:effectLst/>
-                <a:latin typeface="微软雅黑" panose="020B0503020204020204" charset="-122"/>
-                <a:ea typeface="微软雅黑" panose="020B0503020204020204" charset="-122"/>
+                <a:uLnTx/>
+                <a:uFillTx/>
+                <a:latin typeface="Century Gothic" panose="020B0502020202020204"/>
+                <a:ea typeface="方正兰亭黑_GBK"/>
                 <a:cs typeface="Raleway" panose="020B0503030101060003" charset="0"/>
               </a:endParaRPr>
             </a:p>
@@ -1683,14 +1564,14 @@
             <p:cNvSpPr txBox="1"/>
             <p:nvPr userDrawn="1">
               <p:custDataLst>
-                <p:tags r:id="rId5"/>
+                <p:tags r:id="rId4"/>
               </p:custDataLst>
             </p:nvPr>
           </p:nvSpPr>
           <p:spPr>
             <a:xfrm>
               <a:off x="1988" y="2282"/>
-              <a:ext cx="1644" cy="3343"/>
+              <a:ext cx="1644" cy="3052"/>
             </a:xfrm>
             <a:prstGeom prst="rect">
               <a:avLst/>
@@ -1714,25 +1595,35 @@
                 <a:buFontTx/>
               </a:pPr>
               <a:r>
-                <a:rPr lang="zh-CN" altLang="en-US" sz="6600" b="1" dirty="0">
+                <a:rPr lang="zh-CN" altLang="en-US" sz="6000" b="1" kern="100" noProof="0">
+                  <a:ln>
+                    <a:noFill/>
+                  </a:ln>
                   <a:solidFill>
-                    <a:srgbClr val="C07D34"/>
+                    <a:srgbClr val="42556C"/>
                   </a:solidFill>
                   <a:effectLst/>
+                  <a:uLnTx/>
+                  <a:uFillTx/>
                   <a:latin typeface="微软雅黑" panose="020B0503020204020204" charset="-122"/>
                   <a:ea typeface="微软雅黑" panose="020B0503020204020204" charset="-122"/>
-                  <a:cs typeface="微软雅黑" panose="020B0503020204020204" charset="-122"/>
+                  <a:cs typeface="Times New Roman" panose="02020603050405020304" pitchFamily="18" charset="0"/>
                 </a:rPr>
                 <a:t>目</a:t>
               </a:r>
-              <a:endParaRPr lang="zh-CN" altLang="en-US" sz="6600" b="1" dirty="0">
+              <a:endParaRPr lang="zh-CN" altLang="en-US" sz="6000" b="1" kern="100" noProof="0">
+                <a:ln>
+                  <a:noFill/>
+                </a:ln>
                 <a:solidFill>
-                  <a:srgbClr val="C07D34"/>
+                  <a:srgbClr val="42556C"/>
                 </a:solidFill>
                 <a:effectLst/>
+                <a:uLnTx/>
+                <a:uFillTx/>
                 <a:latin typeface="微软雅黑" panose="020B0503020204020204" charset="-122"/>
                 <a:ea typeface="微软雅黑" panose="020B0503020204020204" charset="-122"/>
-                <a:cs typeface="微软雅黑" panose="020B0503020204020204" charset="-122"/>
+                <a:cs typeface="Times New Roman" panose="02020603050405020304" pitchFamily="18" charset="0"/>
               </a:endParaRPr>
             </a:p>
             <a:p>
@@ -1748,25 +1639,35 @@
                 <a:buFontTx/>
               </a:pPr>
               <a:r>
-                <a:rPr lang="zh-CN" altLang="en-US" sz="6600" b="1" dirty="0">
+                <a:rPr lang="zh-CN" altLang="en-US" sz="6000" b="1" kern="100" noProof="0">
+                  <a:ln>
+                    <a:noFill/>
+                  </a:ln>
                   <a:solidFill>
-                    <a:srgbClr val="C07D34"/>
+                    <a:srgbClr val="42556C"/>
                   </a:solidFill>
                   <a:effectLst/>
+                  <a:uLnTx/>
+                  <a:uFillTx/>
                   <a:latin typeface="微软雅黑" panose="020B0503020204020204" charset="-122"/>
                   <a:ea typeface="微软雅黑" panose="020B0503020204020204" charset="-122"/>
-                  <a:cs typeface="微软雅黑" panose="020B0503020204020204" charset="-122"/>
+                  <a:cs typeface="Times New Roman" panose="02020603050405020304" pitchFamily="18" charset="0"/>
                 </a:rPr>
                 <a:t>录</a:t>
               </a:r>
-              <a:endParaRPr lang="zh-CN" altLang="en-US" sz="6600" b="1" dirty="0">
+              <a:endParaRPr lang="zh-CN" altLang="en-US" sz="6000" b="1" kern="100" noProof="0" dirty="0">
+                <a:ln>
+                  <a:noFill/>
+                </a:ln>
                 <a:solidFill>
-                  <a:srgbClr val="C07D34"/>
+                  <a:srgbClr val="42556C"/>
                 </a:solidFill>
                 <a:effectLst/>
+                <a:uLnTx/>
+                <a:uFillTx/>
                 <a:latin typeface="微软雅黑" panose="020B0503020204020204" charset="-122"/>
                 <a:ea typeface="微软雅黑" panose="020B0503020204020204" charset="-122"/>
-                <a:cs typeface="微软雅黑" panose="020B0503020204020204" charset="-122"/>
+                <a:cs typeface="Times New Roman" panose="02020603050405020304" pitchFamily="18" charset="0"/>
               </a:endParaRPr>
             </a:p>
           </p:txBody>
@@ -1783,6 +1684,17 @@
 <file path=ppt/slideLayouts/slideLayout4.xml><?xml version="1.0" encoding="utf-8"?>
 <p:sldLayout xmlns:a="http://schemas.openxmlformats.org/drawingml/2006/main" xmlns:r="http://schemas.openxmlformats.org/officeDocument/2006/relationships" xmlns:p="http://schemas.openxmlformats.org/presentationml/2006/main" preserve="1" userDrawn="1">
   <p:cSld name="1_Custom Layout">
+    <p:bg>
+      <p:bgPr>
+        <a:blipFill rotWithShape="1">
+          <a:blip r:embed="rId2"/>
+          <a:stretch>
+            <a:fillRect/>
+          </a:stretch>
+        </a:blipFill>
+        <a:effectLst/>
+      </p:bgPr>
+    </p:bg>
     <p:spTree>
       <p:nvGrpSpPr>
         <p:cNvPr id="1" name=""/>
@@ -1797,31 +1709,6 @@
           <a:chExt cx="0" cy="0"/>
         </a:xfrm>
       </p:grpSpPr>
-      <p:pic>
-        <p:nvPicPr>
-          <p:cNvPr id="6" name="图片 5" descr="1"/>
-          <p:cNvPicPr>
-            <a:picLocks noChangeAspect="1"/>
-          </p:cNvPicPr>
-          <p:nvPr userDrawn="1"/>
-        </p:nvPicPr>
-        <p:blipFill>
-          <a:blip r:embed="rId2"/>
-          <a:srcRect t="26934" r="20368" b="15233"/>
-          <a:stretch>
-            <a:fillRect/>
-          </a:stretch>
-        </p:blipFill>
-        <p:spPr>
-          <a:xfrm>
-            <a:off x="-11430" y="-6350"/>
-            <a:ext cx="12214860" cy="6870700"/>
-          </a:xfrm>
-          <a:prstGeom prst="rect">
-            <a:avLst/>
-          </a:prstGeom>
-        </p:spPr>
-      </p:pic>
       <p:sp>
         <p:nvSpPr>
           <p:cNvPr id="3" name="标题 2"/>
@@ -1849,7 +1736,7 @@
             <a:noAutofit/>
           </a:bodyPr>
           <a:lstStyle>
-            <a:lvl1pPr algn="ctr">
+            <a:lvl1pPr marL="0" marR="0" lvl="0" algn="ctr" defTabSz="914400" rtl="0" eaLnBrk="1" fontAlgn="auto" latinLnBrk="0" hangingPunct="1">
               <a:lnSpc>
                 <a:spcPct val="120000"/>
               </a:lnSpc>
@@ -1859,13 +1746,24 @@
               <a:spcAft>
                 <a:spcPts val="0"/>
               </a:spcAft>
-              <a:defRPr sz="5000" b="1">
+              <a:buClrTx/>
+              <a:buSzTx/>
+              <a:buFontTx/>
+              <a:buNone/>
+              <a:defRPr kumimoji="0" lang="zh-CN" altLang="en-US" sz="5000" b="1" i="0" u="none" strike="noStrike" kern="100" cap="none" spc="0" normalizeH="0" baseline="0" noProof="0">
+                <a:ln>
+                  <a:noFill/>
+                </a:ln>
                 <a:solidFill>
-                  <a:srgbClr val="C07D34"/>
+                  <a:srgbClr val="42556C"/>
                 </a:solidFill>
+                <a:effectLst/>
+                <a:uLnTx/>
+                <a:uFillTx/>
                 <a:latin typeface="微软雅黑" panose="020B0503020204020204" charset="-122"/>
                 <a:ea typeface="微软雅黑" panose="020B0503020204020204" charset="-122"/>
-                <a:cs typeface="微软雅黑" panose="020B0503020204020204" charset="-122"/>
+                <a:cs typeface="Times New Roman" panose="02020603050405020304" pitchFamily="18" charset="0"/>
+                <a:sym typeface="+mn-ea"/>
               </a:defRPr>
             </a:lvl1pPr>
           </a:lstStyle>
@@ -1903,17 +1801,9 @@
           <a:prstGeom prst="round2DiagRect">
             <a:avLst/>
           </a:prstGeom>
-          <a:gradFill>
-            <a:gsLst>
-              <a:gs pos="100000">
-                <a:srgbClr val="EEC988"/>
-              </a:gs>
-              <a:gs pos="0">
-                <a:srgbClr val="CB954D"/>
-              </a:gs>
-            </a:gsLst>
-            <a:lin scaled="1"/>
-          </a:gradFill>
+          <a:solidFill>
+            <a:srgbClr val="42556C"/>
+          </a:solidFill>
           <a:ln>
             <a:noFill/>
           </a:ln>
@@ -2027,9 +1917,7 @@
   <p:cSld>
     <p:bg>
       <p:bgPr>
-        <a:solidFill>
-          <a:srgbClr val="FFF9F8"/>
-        </a:solidFill>
+        <a:noFill/>
         <a:effectLst/>
       </p:bgPr>
     </p:bg>
@@ -2359,14 +2247,8 @@
 
 <file path=ppt/tags/tag12.xml><?xml version="1.0" encoding="utf-8"?>
 <p:tagLst xmlns:p="http://schemas.openxmlformats.org/presentationml/2006/main">
-  <p:tag name="KSO_WM_BEAUTIFY_FLAG" val=""/>
-</p:tagLst>
-</file>
-
-<file path=ppt/tags/tag13.xml><?xml version="1.0" encoding="utf-8"?>
-<p:tagLst xmlns:p="http://schemas.openxmlformats.org/presentationml/2006/main">
   <p:tag name="KSO_WPP_MARK_KEY" val="ace2c3dd-4d3b-4b30-ae06-059871de312d"/>
-  <p:tag name="COMMONDATA" val="eyJjb3VudCI6NSwiaGRpZCI6IjYyNjYxODg1ZDdiNTllNjRhOTYzYmU5MjdhZGJiZWYwIiwidXNlckNvdW50Ijo1fQ=="/>
+  <p:tag name="COMMONDATA" val="eyJjb3VudCI6MTEsImhkaWQiOiJlZDVjODliYzg0NTM0Yjk5Nzc5MTdiMjdiMGJhNTc0OCIsInVzZXJDb3VudCI6NX0="/>
 </p:tagLst>
 </file>
 
